--- a/25-4.pptx
+++ b/25-4.pptx
@@ -11,6 +11,10 @@
     <p:sldId id="256" r:id="rId5"/>
     <p:sldId id="257" r:id="rId6"/>
     <p:sldId id="261" r:id="rId7"/>
+    <p:sldId id="262" r:id="rId8"/>
+    <p:sldId id="263" r:id="rId9"/>
+    <p:sldId id="264" r:id="rId10"/>
+    <p:sldId id="265" r:id="rId11"/>
   </p:sldIdLst>
   <p:sldSz cx="12192000" cy="6858000"/>
   <p:notesSz cx="6858000" cy="9144000"/>
@@ -264,7 +268,7 @@
           <a:p>
             <a:fld id="{BC4097A8-82D6-478C-8EAE-91ABC06CF50A}" type="datetimeFigureOut">
               <a:rPr lang="es-ES" smtClean="0"/>
-              <a:t>03/05/2022</a:t>
+              <a:t>05/05/2022</a:t>
             </a:fld>
             <a:endParaRPr lang="es-ES"/>
           </a:p>
@@ -318,7 +322,7 @@
           <a:p>
             <a:fld id="{B72F378C-D8EC-4347-952C-B9DE7535C313}" type="slidenum">
               <a:rPr lang="es-ES" smtClean="0"/>
-              <a:t>‹Nº›</a:t>
+              <a:t>‹#›</a:t>
             </a:fld>
             <a:endParaRPr lang="es-ES"/>
           </a:p>
@@ -462,7 +466,7 @@
           <a:p>
             <a:fld id="{BC4097A8-82D6-478C-8EAE-91ABC06CF50A}" type="datetimeFigureOut">
               <a:rPr lang="es-ES" smtClean="0"/>
-              <a:t>03/05/2022</a:t>
+              <a:t>05/05/2022</a:t>
             </a:fld>
             <a:endParaRPr lang="es-ES"/>
           </a:p>
@@ -516,7 +520,7 @@
           <a:p>
             <a:fld id="{B72F378C-D8EC-4347-952C-B9DE7535C313}" type="slidenum">
               <a:rPr lang="es-ES" smtClean="0"/>
-              <a:t>‹Nº›</a:t>
+              <a:t>‹#›</a:t>
             </a:fld>
             <a:endParaRPr lang="es-ES"/>
           </a:p>
@@ -670,7 +674,7 @@
           <a:p>
             <a:fld id="{BC4097A8-82D6-478C-8EAE-91ABC06CF50A}" type="datetimeFigureOut">
               <a:rPr lang="es-ES" smtClean="0"/>
-              <a:t>03/05/2022</a:t>
+              <a:t>05/05/2022</a:t>
             </a:fld>
             <a:endParaRPr lang="es-ES"/>
           </a:p>
@@ -724,7 +728,7 @@
           <a:p>
             <a:fld id="{B72F378C-D8EC-4347-952C-B9DE7535C313}" type="slidenum">
               <a:rPr lang="es-ES" smtClean="0"/>
-              <a:t>‹Nº›</a:t>
+              <a:t>‹#›</a:t>
             </a:fld>
             <a:endParaRPr lang="es-ES"/>
           </a:p>
@@ -868,7 +872,7 @@
           <a:p>
             <a:fld id="{BC4097A8-82D6-478C-8EAE-91ABC06CF50A}" type="datetimeFigureOut">
               <a:rPr lang="es-ES" smtClean="0"/>
-              <a:t>03/05/2022</a:t>
+              <a:t>05/05/2022</a:t>
             </a:fld>
             <a:endParaRPr lang="es-ES"/>
           </a:p>
@@ -922,7 +926,7 @@
           <a:p>
             <a:fld id="{B72F378C-D8EC-4347-952C-B9DE7535C313}" type="slidenum">
               <a:rPr lang="es-ES" smtClean="0"/>
-              <a:t>‹Nº›</a:t>
+              <a:t>‹#›</a:t>
             </a:fld>
             <a:endParaRPr lang="es-ES"/>
           </a:p>
@@ -1143,7 +1147,7 @@
           <a:p>
             <a:fld id="{BC4097A8-82D6-478C-8EAE-91ABC06CF50A}" type="datetimeFigureOut">
               <a:rPr lang="es-ES" smtClean="0"/>
-              <a:t>03/05/2022</a:t>
+              <a:t>05/05/2022</a:t>
             </a:fld>
             <a:endParaRPr lang="es-ES"/>
           </a:p>
@@ -1197,7 +1201,7 @@
           <a:p>
             <a:fld id="{B72F378C-D8EC-4347-952C-B9DE7535C313}" type="slidenum">
               <a:rPr lang="es-ES" smtClean="0"/>
-              <a:t>‹Nº›</a:t>
+              <a:t>‹#›</a:t>
             </a:fld>
             <a:endParaRPr lang="es-ES"/>
           </a:p>
@@ -1408,7 +1412,7 @@
           <a:p>
             <a:fld id="{BC4097A8-82D6-478C-8EAE-91ABC06CF50A}" type="datetimeFigureOut">
               <a:rPr lang="es-ES" smtClean="0"/>
-              <a:t>03/05/2022</a:t>
+              <a:t>05/05/2022</a:t>
             </a:fld>
             <a:endParaRPr lang="es-ES"/>
           </a:p>
@@ -1462,7 +1466,7 @@
           <a:p>
             <a:fld id="{B72F378C-D8EC-4347-952C-B9DE7535C313}" type="slidenum">
               <a:rPr lang="es-ES" smtClean="0"/>
-              <a:t>‹Nº›</a:t>
+              <a:t>‹#›</a:t>
             </a:fld>
             <a:endParaRPr lang="es-ES"/>
           </a:p>
@@ -1820,7 +1824,7 @@
           <a:p>
             <a:fld id="{BC4097A8-82D6-478C-8EAE-91ABC06CF50A}" type="datetimeFigureOut">
               <a:rPr lang="es-ES" smtClean="0"/>
-              <a:t>03/05/2022</a:t>
+              <a:t>05/05/2022</a:t>
             </a:fld>
             <a:endParaRPr lang="es-ES"/>
           </a:p>
@@ -1874,7 +1878,7 @@
           <a:p>
             <a:fld id="{B72F378C-D8EC-4347-952C-B9DE7535C313}" type="slidenum">
               <a:rPr lang="es-ES" smtClean="0"/>
-              <a:t>‹Nº›</a:t>
+              <a:t>‹#›</a:t>
             </a:fld>
             <a:endParaRPr lang="es-ES"/>
           </a:p>
@@ -1961,7 +1965,7 @@
           <a:p>
             <a:fld id="{BC4097A8-82D6-478C-8EAE-91ABC06CF50A}" type="datetimeFigureOut">
               <a:rPr lang="es-ES" smtClean="0"/>
-              <a:t>03/05/2022</a:t>
+              <a:t>05/05/2022</a:t>
             </a:fld>
             <a:endParaRPr lang="es-ES"/>
           </a:p>
@@ -2015,7 +2019,7 @@
           <a:p>
             <a:fld id="{B72F378C-D8EC-4347-952C-B9DE7535C313}" type="slidenum">
               <a:rPr lang="es-ES" smtClean="0"/>
-              <a:t>‹Nº›</a:t>
+              <a:t>‹#›</a:t>
             </a:fld>
             <a:endParaRPr lang="es-ES"/>
           </a:p>
@@ -2074,7 +2078,7 @@
           <a:p>
             <a:fld id="{BC4097A8-82D6-478C-8EAE-91ABC06CF50A}" type="datetimeFigureOut">
               <a:rPr lang="es-ES" smtClean="0"/>
-              <a:t>03/05/2022</a:t>
+              <a:t>05/05/2022</a:t>
             </a:fld>
             <a:endParaRPr lang="es-ES"/>
           </a:p>
@@ -2128,7 +2132,7 @@
           <a:p>
             <a:fld id="{B72F378C-D8EC-4347-952C-B9DE7535C313}" type="slidenum">
               <a:rPr lang="es-ES" smtClean="0"/>
-              <a:t>‹Nº›</a:t>
+              <a:t>‹#›</a:t>
             </a:fld>
             <a:endParaRPr lang="es-ES"/>
           </a:p>
@@ -2385,7 +2389,7 @@
           <a:p>
             <a:fld id="{BC4097A8-82D6-478C-8EAE-91ABC06CF50A}" type="datetimeFigureOut">
               <a:rPr lang="es-ES" smtClean="0"/>
-              <a:t>03/05/2022</a:t>
+              <a:t>05/05/2022</a:t>
             </a:fld>
             <a:endParaRPr lang="es-ES"/>
           </a:p>
@@ -2439,7 +2443,7 @@
           <a:p>
             <a:fld id="{B72F378C-D8EC-4347-952C-B9DE7535C313}" type="slidenum">
               <a:rPr lang="es-ES" smtClean="0"/>
-              <a:t>‹Nº›</a:t>
+              <a:t>‹#›</a:t>
             </a:fld>
             <a:endParaRPr lang="es-ES"/>
           </a:p>
@@ -2673,7 +2677,7 @@
           <a:p>
             <a:fld id="{BC4097A8-82D6-478C-8EAE-91ABC06CF50A}" type="datetimeFigureOut">
               <a:rPr lang="es-ES" smtClean="0"/>
-              <a:t>03/05/2022</a:t>
+              <a:t>05/05/2022</a:t>
             </a:fld>
             <a:endParaRPr lang="es-ES"/>
           </a:p>
@@ -2727,7 +2731,7 @@
           <a:p>
             <a:fld id="{B72F378C-D8EC-4347-952C-B9DE7535C313}" type="slidenum">
               <a:rPr lang="es-ES" smtClean="0"/>
-              <a:t>‹Nº›</a:t>
+              <a:t>‹#›</a:t>
             </a:fld>
             <a:endParaRPr lang="es-ES"/>
           </a:p>
@@ -2914,7 +2918,7 @@
           <a:p>
             <a:fld id="{BC4097A8-82D6-478C-8EAE-91ABC06CF50A}" type="datetimeFigureOut">
               <a:rPr lang="es-ES" smtClean="0"/>
-              <a:t>03/05/2022</a:t>
+              <a:t>05/05/2022</a:t>
             </a:fld>
             <a:endParaRPr lang="es-ES"/>
           </a:p>
@@ -3004,7 +3008,7 @@
           <a:p>
             <a:fld id="{B72F378C-D8EC-4347-952C-B9DE7535C313}" type="slidenum">
               <a:rPr lang="es-ES" smtClean="0"/>
-              <a:t>‹Nº›</a:t>
+              <a:t>‹#›</a:t>
             </a:fld>
             <a:endParaRPr lang="es-ES"/>
           </a:p>
@@ -3450,6 +3454,70 @@
 </p:sld>
 </file>
 
+<file path=ppt/slides/slide10.xml><?xml version="1.0" encoding="utf-8"?>
+<p:sld xmlns:a="http://schemas.openxmlformats.org/drawingml/2006/main" xmlns:r="http://schemas.openxmlformats.org/officeDocument/2006/relationships" xmlns:p="http://schemas.openxmlformats.org/presentationml/2006/main">
+  <p:cSld>
+    <p:spTree>
+      <p:nvGrpSpPr>
+        <p:cNvPr id="1" name=""/>
+        <p:cNvGrpSpPr/>
+        <p:nvPr/>
+      </p:nvGrpSpPr>
+      <p:grpSpPr>
+        <a:xfrm>
+          <a:off x="0" y="0"/>
+          <a:ext cx="0" cy="0"/>
+          <a:chOff x="0" y="0"/>
+          <a:chExt cx="0" cy="0"/>
+        </a:xfrm>
+      </p:grpSpPr>
+      <p:pic>
+        <p:nvPicPr>
+          <p:cNvPr id="5" name="Content Placeholder 4">
+            <a:extLst>
+              <a:ext uri="{FF2B5EF4-FFF2-40B4-BE49-F238E27FC236}">
+                <a16:creationId xmlns:a16="http://schemas.microsoft.com/office/drawing/2014/main" id="{10E45F54-2C38-A4A0-01A5-131CF7DE7230}"/>
+              </a:ext>
+            </a:extLst>
+          </p:cNvPr>
+          <p:cNvPicPr>
+            <a:picLocks noGrp="1" noChangeAspect="1"/>
+          </p:cNvPicPr>
+          <p:nvPr>
+            <p:ph idx="1"/>
+          </p:nvPr>
+        </p:nvPicPr>
+        <p:blipFill>
+          <a:blip r:embed="rId2">
+            <a:extLst>
+              <a:ext uri="{28A0092B-C50C-407E-A947-70E740481C1C}">
+                <a14:useLocalDpi xmlns:a14="http://schemas.microsoft.com/office/drawing/2010/main" val="0"/>
+              </a:ext>
+            </a:extLst>
+          </a:blip>
+          <a:srcRect/>
+          <a:stretch/>
+        </p:blipFill>
+        <p:spPr>
+          <a:xfrm>
+            <a:off x="1686953" y="392939"/>
+            <a:ext cx="8818094" cy="6072122"/>
+          </a:xfrm>
+        </p:spPr>
+      </p:pic>
+    </p:spTree>
+    <p:extLst>
+      <p:ext uri="{BB962C8B-B14F-4D97-AF65-F5344CB8AC3E}">
+        <p14:creationId xmlns:p14="http://schemas.microsoft.com/office/powerpoint/2010/main" val="3994029543"/>
+      </p:ext>
+    </p:extLst>
+  </p:cSld>
+  <p:clrMapOvr>
+    <a:masterClrMapping/>
+  </p:clrMapOvr>
+</p:sld>
+</file>
+
 <file path=ppt/slides/slide2.xml><?xml version="1.0" encoding="utf-8"?>
 <p:sld xmlns:a="http://schemas.openxmlformats.org/drawingml/2006/main" xmlns:r="http://schemas.openxmlformats.org/officeDocument/2006/relationships" xmlns:p="http://schemas.openxmlformats.org/presentationml/2006/main">
   <p:cSld>
@@ -4088,13 +4156,26 @@
           <a:p>
             <a:r>
               <a:rPr lang="es-ES" dirty="0"/>
-              <a:t>Actualizar la base de datos de muertes. He usado la base de datos de WHO, que me ha </a:t>
-            </a:r>
-            <a:r>
-              <a:rPr lang="es-ES"/>
-              <a:t>parecido razonable.</a:t>
-            </a:r>
-            <a:endParaRPr lang="es-ES" dirty="0"/>
+              <a:t>Actualizar la base de datos de muertes. He usado la base de datos de WHO, que me ha parecido razonable.</a:t>
+            </a:r>
+          </a:p>
+          <a:p>
+            <a:r>
+              <a:rPr lang="es-ES" dirty="0"/>
+              <a:t>Volver a filtrar y ajustar países.</a:t>
+            </a:r>
+          </a:p>
+          <a:p>
+            <a:r>
+              <a:rPr lang="es-ES" dirty="0"/>
+              <a:t>Coeficientes de Pearson y Spearman</a:t>
+            </a:r>
+          </a:p>
+          <a:p>
+            <a:r>
+              <a:rPr lang="es-ES" dirty="0"/>
+              <a:t>Rehacer gráfico Permeabilidad vs PIB per cápita</a:t>
+            </a:r>
           </a:p>
         </p:txBody>
       </p:sp>
@@ -4102,6 +4183,243 @@
     <p:extLst>
       <p:ext uri="{BB962C8B-B14F-4D97-AF65-F5344CB8AC3E}">
         <p14:creationId xmlns:p14="http://schemas.microsoft.com/office/powerpoint/2010/main" val="2985032145"/>
+      </p:ext>
+    </p:extLst>
+  </p:cSld>
+  <p:clrMapOvr>
+    <a:masterClrMapping/>
+  </p:clrMapOvr>
+</p:sld>
+</file>
+
+<file path=ppt/slides/slide7.xml><?xml version="1.0" encoding="utf-8"?>
+<p:sld xmlns:a="http://schemas.openxmlformats.org/drawingml/2006/main" xmlns:r="http://schemas.openxmlformats.org/officeDocument/2006/relationships" xmlns:p="http://schemas.openxmlformats.org/presentationml/2006/main">
+  <p:cSld>
+    <p:spTree>
+      <p:nvGrpSpPr>
+        <p:cNvPr id="1" name=""/>
+        <p:cNvGrpSpPr/>
+        <p:nvPr/>
+      </p:nvGrpSpPr>
+      <p:grpSpPr>
+        <a:xfrm>
+          <a:off x="0" y="0"/>
+          <a:ext cx="0" cy="0"/>
+          <a:chOff x="0" y="0"/>
+          <a:chExt cx="0" cy="0"/>
+        </a:xfrm>
+      </p:grpSpPr>
+      <p:pic>
+        <p:nvPicPr>
+          <p:cNvPr id="11" name="Picture 10">
+            <a:extLst>
+              <a:ext uri="{FF2B5EF4-FFF2-40B4-BE49-F238E27FC236}">
+                <a16:creationId xmlns:a16="http://schemas.microsoft.com/office/drawing/2014/main" id="{6508147F-79A4-3FA1-0CA6-3C692BF5252C}"/>
+              </a:ext>
+            </a:extLst>
+          </p:cNvPr>
+          <p:cNvPicPr>
+            <a:picLocks noChangeAspect="1"/>
+          </p:cNvPicPr>
+          <p:nvPr/>
+        </p:nvPicPr>
+        <p:blipFill>
+          <a:blip r:embed="rId2">
+            <a:extLst>
+              <a:ext uri="{28A0092B-C50C-407E-A947-70E740481C1C}">
+                <a14:useLocalDpi xmlns:a14="http://schemas.microsoft.com/office/drawing/2010/main" val="0"/>
+              </a:ext>
+            </a:extLst>
+          </a:blip>
+          <a:stretch>
+            <a:fillRect/>
+          </a:stretch>
+        </p:blipFill>
+        <p:spPr>
+          <a:xfrm>
+            <a:off x="2312131" y="21348"/>
+            <a:ext cx="7567738" cy="6815304"/>
+          </a:xfrm>
+          <a:prstGeom prst="rect">
+            <a:avLst/>
+          </a:prstGeom>
+        </p:spPr>
+      </p:pic>
+    </p:spTree>
+    <p:extLst>
+      <p:ext uri="{BB962C8B-B14F-4D97-AF65-F5344CB8AC3E}">
+        <p14:creationId xmlns:p14="http://schemas.microsoft.com/office/powerpoint/2010/main" val="1100950361"/>
+      </p:ext>
+    </p:extLst>
+  </p:cSld>
+  <p:clrMapOvr>
+    <a:masterClrMapping/>
+  </p:clrMapOvr>
+</p:sld>
+</file>
+
+<file path=ppt/slides/slide8.xml><?xml version="1.0" encoding="utf-8"?>
+<p:sld xmlns:a="http://schemas.openxmlformats.org/drawingml/2006/main" xmlns:r="http://schemas.openxmlformats.org/officeDocument/2006/relationships" xmlns:p="http://schemas.openxmlformats.org/presentationml/2006/main">
+  <p:cSld>
+    <p:spTree>
+      <p:nvGrpSpPr>
+        <p:cNvPr id="1" name=""/>
+        <p:cNvGrpSpPr/>
+        <p:nvPr/>
+      </p:nvGrpSpPr>
+      <p:grpSpPr>
+        <a:xfrm>
+          <a:off x="0" y="0"/>
+          <a:ext cx="0" cy="0"/>
+          <a:chOff x="0" y="0"/>
+          <a:chExt cx="0" cy="0"/>
+        </a:xfrm>
+      </p:grpSpPr>
+      <p:pic>
+        <p:nvPicPr>
+          <p:cNvPr id="7" name="Picture 6">
+            <a:extLst>
+              <a:ext uri="{FF2B5EF4-FFF2-40B4-BE49-F238E27FC236}">
+                <a16:creationId xmlns:a16="http://schemas.microsoft.com/office/drawing/2014/main" id="{97CACC04-013F-0043-AFD5-43051AEF4F0F}"/>
+              </a:ext>
+            </a:extLst>
+          </p:cNvPr>
+          <p:cNvPicPr>
+            <a:picLocks noChangeAspect="1"/>
+          </p:cNvPicPr>
+          <p:nvPr/>
+        </p:nvPicPr>
+        <p:blipFill>
+          <a:blip r:embed="rId2">
+            <a:extLst>
+              <a:ext uri="{28A0092B-C50C-407E-A947-70E740481C1C}">
+                <a14:useLocalDpi xmlns:a14="http://schemas.microsoft.com/office/drawing/2010/main" val="0"/>
+              </a:ext>
+            </a:extLst>
+          </a:blip>
+          <a:stretch>
+            <a:fillRect/>
+          </a:stretch>
+        </p:blipFill>
+        <p:spPr>
+          <a:xfrm>
+            <a:off x="457905" y="1086143"/>
+            <a:ext cx="11276190" cy="4685714"/>
+          </a:xfrm>
+          <a:prstGeom prst="rect">
+            <a:avLst/>
+          </a:prstGeom>
+        </p:spPr>
+      </p:pic>
+    </p:spTree>
+    <p:extLst>
+      <p:ext uri="{BB962C8B-B14F-4D97-AF65-F5344CB8AC3E}">
+        <p14:creationId xmlns:p14="http://schemas.microsoft.com/office/powerpoint/2010/main" val="1808485592"/>
+      </p:ext>
+    </p:extLst>
+  </p:cSld>
+  <p:clrMapOvr>
+    <a:masterClrMapping/>
+  </p:clrMapOvr>
+</p:sld>
+</file>
+
+<file path=ppt/slides/slide9.xml><?xml version="1.0" encoding="utf-8"?>
+<p:sld xmlns:a="http://schemas.openxmlformats.org/drawingml/2006/main" xmlns:r="http://schemas.openxmlformats.org/officeDocument/2006/relationships" xmlns:p="http://schemas.openxmlformats.org/presentationml/2006/main">
+  <p:cSld>
+    <p:spTree>
+      <p:nvGrpSpPr>
+        <p:cNvPr id="1" name=""/>
+        <p:cNvGrpSpPr/>
+        <p:nvPr/>
+      </p:nvGrpSpPr>
+      <p:grpSpPr>
+        <a:xfrm>
+          <a:off x="0" y="0"/>
+          <a:ext cx="0" cy="0"/>
+          <a:chOff x="0" y="0"/>
+          <a:chExt cx="0" cy="0"/>
+        </a:xfrm>
+      </p:grpSpPr>
+      <p:pic>
+        <p:nvPicPr>
+          <p:cNvPr id="5" name="Picture 4">
+            <a:extLst>
+              <a:ext uri="{FF2B5EF4-FFF2-40B4-BE49-F238E27FC236}">
+                <a16:creationId xmlns:a16="http://schemas.microsoft.com/office/drawing/2014/main" id="{854D64C1-6FF5-256F-35F9-1C95E16AF063}"/>
+              </a:ext>
+            </a:extLst>
+          </p:cNvPr>
+          <p:cNvPicPr>
+            <a:picLocks noChangeAspect="1"/>
+          </p:cNvPicPr>
+          <p:nvPr/>
+        </p:nvPicPr>
+        <p:blipFill>
+          <a:blip r:embed="rId2">
+            <a:extLst>
+              <a:ext uri="{28A0092B-C50C-407E-A947-70E740481C1C}">
+                <a14:useLocalDpi xmlns:a14="http://schemas.microsoft.com/office/drawing/2010/main" val="0"/>
+              </a:ext>
+            </a:extLst>
+          </a:blip>
+          <a:stretch>
+            <a:fillRect/>
+          </a:stretch>
+        </p:blipFill>
+        <p:spPr>
+          <a:xfrm>
+            <a:off x="1302349" y="279794"/>
+            <a:ext cx="9587301" cy="6298412"/>
+          </a:xfrm>
+          <a:prstGeom prst="rect">
+            <a:avLst/>
+          </a:prstGeom>
+        </p:spPr>
+      </p:pic>
+      <p:sp>
+        <p:nvSpPr>
+          <p:cNvPr id="6" name="CuadroTexto 5">
+            <a:extLst>
+              <a:ext uri="{FF2B5EF4-FFF2-40B4-BE49-F238E27FC236}">
+                <a16:creationId xmlns:a16="http://schemas.microsoft.com/office/drawing/2014/main" id="{66F72812-1A56-CCC2-BD06-78998B9A01C9}"/>
+              </a:ext>
+            </a:extLst>
+          </p:cNvPr>
+          <p:cNvSpPr txBox="1"/>
+          <p:nvPr/>
+        </p:nvSpPr>
+        <p:spPr>
+          <a:xfrm>
+            <a:off x="0" y="6419461"/>
+            <a:ext cx="1004121" cy="369332"/>
+          </a:xfrm>
+          <a:prstGeom prst="rect">
+            <a:avLst/>
+          </a:prstGeom>
+          <a:noFill/>
+        </p:spPr>
+        <p:txBody>
+          <a:bodyPr wrap="none" rtlCol="0">
+            <a:spAutoFit/>
+          </a:bodyPr>
+          <a:lstStyle/>
+          <a:p>
+            <a:r>
+              <a:rPr lang="es-ES" dirty="0" err="1"/>
+              <a:t>BoxPlot</a:t>
+            </a:r>
+            <a:r>
+              <a:rPr lang="es-ES" dirty="0"/>
+              <a:t>?</a:t>
+            </a:r>
+          </a:p>
+        </p:txBody>
+      </p:sp>
+    </p:spTree>
+    <p:extLst>
+      <p:ext uri="{BB962C8B-B14F-4D97-AF65-F5344CB8AC3E}">
+        <p14:creationId xmlns:p14="http://schemas.microsoft.com/office/powerpoint/2010/main" val="3126094801"/>
       </p:ext>
     </p:extLst>
   </p:cSld>

--- a/25-4.pptx
+++ b/25-4.pptx
@@ -14,7 +14,8 @@
     <p:sldId id="262" r:id="rId8"/>
     <p:sldId id="263" r:id="rId9"/>
     <p:sldId id="264" r:id="rId10"/>
-    <p:sldId id="265" r:id="rId11"/>
+    <p:sldId id="266" r:id="rId11"/>
+    <p:sldId id="265" r:id="rId12"/>
   </p:sldIdLst>
   <p:sldSz cx="12192000" cy="6858000"/>
   <p:notesSz cx="6858000" cy="9144000"/>
@@ -268,7 +269,7 @@
           <a:p>
             <a:fld id="{BC4097A8-82D6-478C-8EAE-91ABC06CF50A}" type="datetimeFigureOut">
               <a:rPr lang="es-ES" smtClean="0"/>
-              <a:t>05/05/2022</a:t>
+              <a:t>09/05/2022</a:t>
             </a:fld>
             <a:endParaRPr lang="es-ES"/>
           </a:p>
@@ -322,7 +323,7 @@
           <a:p>
             <a:fld id="{B72F378C-D8EC-4347-952C-B9DE7535C313}" type="slidenum">
               <a:rPr lang="es-ES" smtClean="0"/>
-              <a:t>‹#›</a:t>
+              <a:t>‹Nº›</a:t>
             </a:fld>
             <a:endParaRPr lang="es-ES"/>
           </a:p>
@@ -466,7 +467,7 @@
           <a:p>
             <a:fld id="{BC4097A8-82D6-478C-8EAE-91ABC06CF50A}" type="datetimeFigureOut">
               <a:rPr lang="es-ES" smtClean="0"/>
-              <a:t>05/05/2022</a:t>
+              <a:t>09/05/2022</a:t>
             </a:fld>
             <a:endParaRPr lang="es-ES"/>
           </a:p>
@@ -520,7 +521,7 @@
           <a:p>
             <a:fld id="{B72F378C-D8EC-4347-952C-B9DE7535C313}" type="slidenum">
               <a:rPr lang="es-ES" smtClean="0"/>
-              <a:t>‹#›</a:t>
+              <a:t>‹Nº›</a:t>
             </a:fld>
             <a:endParaRPr lang="es-ES"/>
           </a:p>
@@ -674,7 +675,7 @@
           <a:p>
             <a:fld id="{BC4097A8-82D6-478C-8EAE-91ABC06CF50A}" type="datetimeFigureOut">
               <a:rPr lang="es-ES" smtClean="0"/>
-              <a:t>05/05/2022</a:t>
+              <a:t>09/05/2022</a:t>
             </a:fld>
             <a:endParaRPr lang="es-ES"/>
           </a:p>
@@ -728,7 +729,7 @@
           <a:p>
             <a:fld id="{B72F378C-D8EC-4347-952C-B9DE7535C313}" type="slidenum">
               <a:rPr lang="es-ES" smtClean="0"/>
-              <a:t>‹#›</a:t>
+              <a:t>‹Nº›</a:t>
             </a:fld>
             <a:endParaRPr lang="es-ES"/>
           </a:p>
@@ -872,7 +873,7 @@
           <a:p>
             <a:fld id="{BC4097A8-82D6-478C-8EAE-91ABC06CF50A}" type="datetimeFigureOut">
               <a:rPr lang="es-ES" smtClean="0"/>
-              <a:t>05/05/2022</a:t>
+              <a:t>09/05/2022</a:t>
             </a:fld>
             <a:endParaRPr lang="es-ES"/>
           </a:p>
@@ -926,7 +927,7 @@
           <a:p>
             <a:fld id="{B72F378C-D8EC-4347-952C-B9DE7535C313}" type="slidenum">
               <a:rPr lang="es-ES" smtClean="0"/>
-              <a:t>‹#›</a:t>
+              <a:t>‹Nº›</a:t>
             </a:fld>
             <a:endParaRPr lang="es-ES"/>
           </a:p>
@@ -1147,7 +1148,7 @@
           <a:p>
             <a:fld id="{BC4097A8-82D6-478C-8EAE-91ABC06CF50A}" type="datetimeFigureOut">
               <a:rPr lang="es-ES" smtClean="0"/>
-              <a:t>05/05/2022</a:t>
+              <a:t>09/05/2022</a:t>
             </a:fld>
             <a:endParaRPr lang="es-ES"/>
           </a:p>
@@ -1201,7 +1202,7 @@
           <a:p>
             <a:fld id="{B72F378C-D8EC-4347-952C-B9DE7535C313}" type="slidenum">
               <a:rPr lang="es-ES" smtClean="0"/>
-              <a:t>‹#›</a:t>
+              <a:t>‹Nº›</a:t>
             </a:fld>
             <a:endParaRPr lang="es-ES"/>
           </a:p>
@@ -1412,7 +1413,7 @@
           <a:p>
             <a:fld id="{BC4097A8-82D6-478C-8EAE-91ABC06CF50A}" type="datetimeFigureOut">
               <a:rPr lang="es-ES" smtClean="0"/>
-              <a:t>05/05/2022</a:t>
+              <a:t>09/05/2022</a:t>
             </a:fld>
             <a:endParaRPr lang="es-ES"/>
           </a:p>
@@ -1466,7 +1467,7 @@
           <a:p>
             <a:fld id="{B72F378C-D8EC-4347-952C-B9DE7535C313}" type="slidenum">
               <a:rPr lang="es-ES" smtClean="0"/>
-              <a:t>‹#›</a:t>
+              <a:t>‹Nº›</a:t>
             </a:fld>
             <a:endParaRPr lang="es-ES"/>
           </a:p>
@@ -1824,7 +1825,7 @@
           <a:p>
             <a:fld id="{BC4097A8-82D6-478C-8EAE-91ABC06CF50A}" type="datetimeFigureOut">
               <a:rPr lang="es-ES" smtClean="0"/>
-              <a:t>05/05/2022</a:t>
+              <a:t>09/05/2022</a:t>
             </a:fld>
             <a:endParaRPr lang="es-ES"/>
           </a:p>
@@ -1878,7 +1879,7 @@
           <a:p>
             <a:fld id="{B72F378C-D8EC-4347-952C-B9DE7535C313}" type="slidenum">
               <a:rPr lang="es-ES" smtClean="0"/>
-              <a:t>‹#›</a:t>
+              <a:t>‹Nº›</a:t>
             </a:fld>
             <a:endParaRPr lang="es-ES"/>
           </a:p>
@@ -1965,7 +1966,7 @@
           <a:p>
             <a:fld id="{BC4097A8-82D6-478C-8EAE-91ABC06CF50A}" type="datetimeFigureOut">
               <a:rPr lang="es-ES" smtClean="0"/>
-              <a:t>05/05/2022</a:t>
+              <a:t>09/05/2022</a:t>
             </a:fld>
             <a:endParaRPr lang="es-ES"/>
           </a:p>
@@ -2019,7 +2020,7 @@
           <a:p>
             <a:fld id="{B72F378C-D8EC-4347-952C-B9DE7535C313}" type="slidenum">
               <a:rPr lang="es-ES" smtClean="0"/>
-              <a:t>‹#›</a:t>
+              <a:t>‹Nº›</a:t>
             </a:fld>
             <a:endParaRPr lang="es-ES"/>
           </a:p>
@@ -2078,7 +2079,7 @@
           <a:p>
             <a:fld id="{BC4097A8-82D6-478C-8EAE-91ABC06CF50A}" type="datetimeFigureOut">
               <a:rPr lang="es-ES" smtClean="0"/>
-              <a:t>05/05/2022</a:t>
+              <a:t>09/05/2022</a:t>
             </a:fld>
             <a:endParaRPr lang="es-ES"/>
           </a:p>
@@ -2132,7 +2133,7 @@
           <a:p>
             <a:fld id="{B72F378C-D8EC-4347-952C-B9DE7535C313}" type="slidenum">
               <a:rPr lang="es-ES" smtClean="0"/>
-              <a:t>‹#›</a:t>
+              <a:t>‹Nº›</a:t>
             </a:fld>
             <a:endParaRPr lang="es-ES"/>
           </a:p>
@@ -2389,7 +2390,7 @@
           <a:p>
             <a:fld id="{BC4097A8-82D6-478C-8EAE-91ABC06CF50A}" type="datetimeFigureOut">
               <a:rPr lang="es-ES" smtClean="0"/>
-              <a:t>05/05/2022</a:t>
+              <a:t>09/05/2022</a:t>
             </a:fld>
             <a:endParaRPr lang="es-ES"/>
           </a:p>
@@ -2443,7 +2444,7 @@
           <a:p>
             <a:fld id="{B72F378C-D8EC-4347-952C-B9DE7535C313}" type="slidenum">
               <a:rPr lang="es-ES" smtClean="0"/>
-              <a:t>‹#›</a:t>
+              <a:t>‹Nº›</a:t>
             </a:fld>
             <a:endParaRPr lang="es-ES"/>
           </a:p>
@@ -2677,7 +2678,7 @@
           <a:p>
             <a:fld id="{BC4097A8-82D6-478C-8EAE-91ABC06CF50A}" type="datetimeFigureOut">
               <a:rPr lang="es-ES" smtClean="0"/>
-              <a:t>05/05/2022</a:t>
+              <a:t>09/05/2022</a:t>
             </a:fld>
             <a:endParaRPr lang="es-ES"/>
           </a:p>
@@ -2731,7 +2732,7 @@
           <a:p>
             <a:fld id="{B72F378C-D8EC-4347-952C-B9DE7535C313}" type="slidenum">
               <a:rPr lang="es-ES" smtClean="0"/>
-              <a:t>‹#›</a:t>
+              <a:t>‹Nº›</a:t>
             </a:fld>
             <a:endParaRPr lang="es-ES"/>
           </a:p>
@@ -2918,7 +2919,7 @@
           <a:p>
             <a:fld id="{BC4097A8-82D6-478C-8EAE-91ABC06CF50A}" type="datetimeFigureOut">
               <a:rPr lang="es-ES" smtClean="0"/>
-              <a:t>05/05/2022</a:t>
+              <a:t>09/05/2022</a:t>
             </a:fld>
             <a:endParaRPr lang="es-ES"/>
           </a:p>
@@ -3008,7 +3009,7 @@
           <a:p>
             <a:fld id="{B72F378C-D8EC-4347-952C-B9DE7535C313}" type="slidenum">
               <a:rPr lang="es-ES" smtClean="0"/>
-              <a:t>‹#›</a:t>
+              <a:t>‹Nº›</a:t>
             </a:fld>
             <a:endParaRPr lang="es-ES"/>
           </a:p>
@@ -3471,6 +3472,106 @@
           <a:chExt cx="0" cy="0"/>
         </a:xfrm>
       </p:grpSpPr>
+      <p:sp>
+        <p:nvSpPr>
+          <p:cNvPr id="2" name="Título 1">
+            <a:extLst>
+              <a:ext uri="{FF2B5EF4-FFF2-40B4-BE49-F238E27FC236}">
+                <a16:creationId xmlns:a16="http://schemas.microsoft.com/office/drawing/2014/main" id="{A3329BB5-C079-8D78-C2AC-99B84C150D38}"/>
+              </a:ext>
+            </a:extLst>
+          </p:cNvPr>
+          <p:cNvSpPr>
+            <a:spLocks noGrp="1"/>
+          </p:cNvSpPr>
+          <p:nvPr>
+            <p:ph type="title"/>
+          </p:nvPr>
+        </p:nvSpPr>
+        <p:spPr>
+          <a:xfrm>
+            <a:off x="436983" y="85206"/>
+            <a:ext cx="10515600" cy="1325563"/>
+          </a:xfrm>
+        </p:spPr>
+        <p:txBody>
+          <a:bodyPr>
+            <a:normAutofit/>
+          </a:bodyPr>
+          <a:lstStyle/>
+          <a:p>
+            <a:r>
+              <a:rPr lang="es-ES" sz="2800" dirty="0"/>
+              <a:t>Retraso en notificación de muertes por países</a:t>
+            </a:r>
+          </a:p>
+        </p:txBody>
+      </p:sp>
+      <p:pic>
+        <p:nvPicPr>
+          <p:cNvPr id="5" name="Marcador de contenido 4" descr="Gráfico, Gráfico de cajas y bigotes&#10;&#10;Descripción generada automáticamente">
+            <a:extLst>
+              <a:ext uri="{FF2B5EF4-FFF2-40B4-BE49-F238E27FC236}">
+                <a16:creationId xmlns:a16="http://schemas.microsoft.com/office/drawing/2014/main" id="{99FB4DBD-3EAE-286C-AAA4-4EF51B294014}"/>
+              </a:ext>
+            </a:extLst>
+          </p:cNvPr>
+          <p:cNvPicPr>
+            <a:picLocks noGrp="1" noChangeAspect="1"/>
+          </p:cNvPicPr>
+          <p:nvPr>
+            <p:ph idx="1"/>
+          </p:nvPr>
+        </p:nvPicPr>
+        <p:blipFill>
+          <a:blip r:embed="rId2">
+            <a:extLst>
+              <a:ext uri="{28A0092B-C50C-407E-A947-70E740481C1C}">
+                <a14:useLocalDpi xmlns:a14="http://schemas.microsoft.com/office/drawing/2010/main" val="0"/>
+              </a:ext>
+            </a:extLst>
+          </a:blip>
+          <a:stretch>
+            <a:fillRect/>
+          </a:stretch>
+        </p:blipFill>
+        <p:spPr>
+          <a:xfrm>
+            <a:off x="-1450954" y="2217901"/>
+            <a:ext cx="15093907" cy="3018780"/>
+          </a:xfrm>
+        </p:spPr>
+      </p:pic>
+    </p:spTree>
+    <p:extLst>
+      <p:ext uri="{BB962C8B-B14F-4D97-AF65-F5344CB8AC3E}">
+        <p14:creationId xmlns:p14="http://schemas.microsoft.com/office/powerpoint/2010/main" val="1216301866"/>
+      </p:ext>
+    </p:extLst>
+  </p:cSld>
+  <p:clrMapOvr>
+    <a:masterClrMapping/>
+  </p:clrMapOvr>
+</p:sld>
+</file>
+
+<file path=ppt/slides/slide11.xml><?xml version="1.0" encoding="utf-8"?>
+<p:sld xmlns:a="http://schemas.openxmlformats.org/drawingml/2006/main" xmlns:r="http://schemas.openxmlformats.org/officeDocument/2006/relationships" xmlns:p="http://schemas.openxmlformats.org/presentationml/2006/main">
+  <p:cSld>
+    <p:spTree>
+      <p:nvGrpSpPr>
+        <p:cNvPr id="1" name=""/>
+        <p:cNvGrpSpPr/>
+        <p:nvPr/>
+      </p:nvGrpSpPr>
+      <p:grpSpPr>
+        <a:xfrm>
+          <a:off x="0" y="0"/>
+          <a:ext cx="0" cy="0"/>
+          <a:chOff x="0" y="0"/>
+          <a:chExt cx="0" cy="0"/>
+        </a:xfrm>
+      </p:grpSpPr>
       <p:pic>
         <p:nvPicPr>
           <p:cNvPr id="5" name="Content Placeholder 4">
@@ -4128,7 +4229,7 @@
           <a:p>
             <a:r>
               <a:rPr lang="es-ES" dirty="0"/>
-              <a:t>Cositas que he hecho</a:t>
+              <a:t>5-9</a:t>
             </a:r>
           </a:p>
         </p:txBody>
@@ -4195,6 +4296,14 @@
 <file path=ppt/slides/slide7.xml><?xml version="1.0" encoding="utf-8"?>
 <p:sld xmlns:a="http://schemas.openxmlformats.org/drawingml/2006/main" xmlns:r="http://schemas.openxmlformats.org/officeDocument/2006/relationships" xmlns:p="http://schemas.openxmlformats.org/presentationml/2006/main">
   <p:cSld>
+    <p:bg>
+      <p:bgPr>
+        <a:solidFill>
+          <a:schemeClr val="bg1"/>
+        </a:solidFill>
+        <a:effectLst/>
+      </p:bgPr>
+    </p:bg>
     <p:spTree>
       <p:nvGrpSpPr>
         <p:cNvPr id="1" name=""/>
@@ -4211,10 +4320,10 @@
       </p:grpSpPr>
       <p:pic>
         <p:nvPicPr>
-          <p:cNvPr id="11" name="Picture 10">
-            <a:extLst>
-              <a:ext uri="{FF2B5EF4-FFF2-40B4-BE49-F238E27FC236}">
-                <a16:creationId xmlns:a16="http://schemas.microsoft.com/office/drawing/2014/main" id="{6508147F-79A4-3FA1-0CA6-3C692BF5252C}"/>
+          <p:cNvPr id="3" name="Imagen 2">
+            <a:extLst>
+              <a:ext uri="{FF2B5EF4-FFF2-40B4-BE49-F238E27FC236}">
+                <a16:creationId xmlns:a16="http://schemas.microsoft.com/office/drawing/2014/main" id="{ADF07815-4473-6447-4823-C979FD28D1AC}"/>
               </a:ext>
             </a:extLst>
           </p:cNvPr>
@@ -4224,27 +4333,295 @@
           <p:nvPr/>
         </p:nvPicPr>
         <p:blipFill>
-          <a:blip r:embed="rId2">
-            <a:extLst>
-              <a:ext uri="{28A0092B-C50C-407E-A947-70E740481C1C}">
-                <a14:useLocalDpi xmlns:a14="http://schemas.microsoft.com/office/drawing/2010/main" val="0"/>
-              </a:ext>
-            </a:extLst>
-          </a:blip>
+          <a:blip r:embed="rId2"/>
           <a:stretch>
             <a:fillRect/>
           </a:stretch>
         </p:blipFill>
         <p:spPr>
           <a:xfrm>
-            <a:off x="2312131" y="21348"/>
-            <a:ext cx="7567738" cy="6815304"/>
+            <a:off x="643467" y="1008063"/>
+            <a:ext cx="5291666" cy="4841874"/>
           </a:xfrm>
           <a:prstGeom prst="rect">
             <a:avLst/>
           </a:prstGeom>
         </p:spPr>
       </p:pic>
+      <p:pic>
+        <p:nvPicPr>
+          <p:cNvPr id="11" name="Picture 10">
+            <a:extLst>
+              <a:ext uri="{FF2B5EF4-FFF2-40B4-BE49-F238E27FC236}">
+                <a16:creationId xmlns:a16="http://schemas.microsoft.com/office/drawing/2014/main" id="{6508147F-79A4-3FA1-0CA6-3C692BF5252C}"/>
+              </a:ext>
+            </a:extLst>
+          </p:cNvPr>
+          <p:cNvPicPr>
+            <a:picLocks noChangeAspect="1"/>
+          </p:cNvPicPr>
+          <p:nvPr/>
+        </p:nvPicPr>
+        <p:blipFill rotWithShape="1">
+          <a:blip r:embed="rId3">
+            <a:extLst>
+              <a:ext uri="{28A0092B-C50C-407E-A947-70E740481C1C}">
+                <a14:useLocalDpi xmlns:a14="http://schemas.microsoft.com/office/drawing/2010/main" val="0"/>
+              </a:ext>
+            </a:extLst>
+          </a:blip>
+          <a:srcRect l="36027" t="3025" r="15642"/>
+          <a:stretch/>
+        </p:blipFill>
+        <p:spPr>
+          <a:xfrm>
+            <a:off x="6256865" y="774602"/>
+            <a:ext cx="5291667" cy="5308795"/>
+          </a:xfrm>
+          <a:prstGeom prst="rect">
+            <a:avLst/>
+          </a:prstGeom>
+        </p:spPr>
+      </p:pic>
+      <p:sp>
+        <p:nvSpPr>
+          <p:cNvPr id="4" name="Marcador de contenido 2">
+            <a:extLst>
+              <a:ext uri="{FF2B5EF4-FFF2-40B4-BE49-F238E27FC236}">
+                <a16:creationId xmlns:a16="http://schemas.microsoft.com/office/drawing/2014/main" id="{8B86B397-7125-67A4-4D57-09EE53F122DF}"/>
+              </a:ext>
+            </a:extLst>
+          </p:cNvPr>
+          <p:cNvSpPr>
+            <a:spLocks noGrp="1"/>
+          </p:cNvSpPr>
+          <p:nvPr>
+            <p:ph idx="1"/>
+          </p:nvPr>
+        </p:nvSpPr>
+        <p:spPr>
+          <a:xfrm>
+            <a:off x="1898261" y="502426"/>
+            <a:ext cx="2782078" cy="544351"/>
+          </a:xfrm>
+        </p:spPr>
+        <p:txBody>
+          <a:bodyPr/>
+          <a:lstStyle/>
+          <a:p>
+            <a:pPr marL="0" indent="0" algn="ctr">
+              <a:buNone/>
+            </a:pPr>
+            <a:r>
+              <a:rPr lang="es-ES" dirty="0"/>
+              <a:t>Hace 2 semanas</a:t>
+            </a:r>
+          </a:p>
+        </p:txBody>
+      </p:sp>
+      <p:sp>
+        <p:nvSpPr>
+          <p:cNvPr id="5" name="Marcador de contenido 2">
+            <a:extLst>
+              <a:ext uri="{FF2B5EF4-FFF2-40B4-BE49-F238E27FC236}">
+                <a16:creationId xmlns:a16="http://schemas.microsoft.com/office/drawing/2014/main" id="{72E28E2C-1B6E-7BD6-056F-25C545EAC80E}"/>
+              </a:ext>
+            </a:extLst>
+          </p:cNvPr>
+          <p:cNvSpPr txBox="1">
+            <a:spLocks/>
+          </p:cNvSpPr>
+          <p:nvPr/>
+        </p:nvSpPr>
+        <p:spPr>
+          <a:xfrm>
+            <a:off x="7511659" y="463712"/>
+            <a:ext cx="2782078" cy="544351"/>
+          </a:xfrm>
+          <a:prstGeom prst="rect">
+            <a:avLst/>
+          </a:prstGeom>
+        </p:spPr>
+        <p:txBody>
+          <a:bodyPr vert="horz" lIns="91440" tIns="45720" rIns="91440" bIns="45720" rtlCol="0">
+            <a:normAutofit/>
+          </a:bodyPr>
+          <a:lstStyle>
+            <a:lvl1pPr marL="228600" indent="-228600" algn="l" defTabSz="914400" rtl="0" eaLnBrk="1" latinLnBrk="0" hangingPunct="1">
+              <a:lnSpc>
+                <a:spcPct val="90000"/>
+              </a:lnSpc>
+              <a:spcBef>
+                <a:spcPts val="1000"/>
+              </a:spcBef>
+              <a:buFont typeface="Arial" panose="020B0604020202020204" pitchFamily="34" charset="0"/>
+              <a:buChar char="•"/>
+              <a:defRPr sz="2800" kern="1200">
+                <a:solidFill>
+                  <a:schemeClr val="tx1"/>
+                </a:solidFill>
+                <a:latin typeface="+mn-lt"/>
+                <a:ea typeface="+mn-ea"/>
+                <a:cs typeface="+mn-cs"/>
+              </a:defRPr>
+            </a:lvl1pPr>
+            <a:lvl2pPr marL="685800" indent="-228600" algn="l" defTabSz="914400" rtl="0" eaLnBrk="1" latinLnBrk="0" hangingPunct="1">
+              <a:lnSpc>
+                <a:spcPct val="90000"/>
+              </a:lnSpc>
+              <a:spcBef>
+                <a:spcPts val="500"/>
+              </a:spcBef>
+              <a:buFont typeface="Arial" panose="020B0604020202020204" pitchFamily="34" charset="0"/>
+              <a:buChar char="•"/>
+              <a:defRPr sz="2400" kern="1200">
+                <a:solidFill>
+                  <a:schemeClr val="tx1"/>
+                </a:solidFill>
+                <a:latin typeface="+mn-lt"/>
+                <a:ea typeface="+mn-ea"/>
+                <a:cs typeface="+mn-cs"/>
+              </a:defRPr>
+            </a:lvl2pPr>
+            <a:lvl3pPr marL="1143000" indent="-228600" algn="l" defTabSz="914400" rtl="0" eaLnBrk="1" latinLnBrk="0" hangingPunct="1">
+              <a:lnSpc>
+                <a:spcPct val="90000"/>
+              </a:lnSpc>
+              <a:spcBef>
+                <a:spcPts val="500"/>
+              </a:spcBef>
+              <a:buFont typeface="Arial" panose="020B0604020202020204" pitchFamily="34" charset="0"/>
+              <a:buChar char="•"/>
+              <a:defRPr sz="2000" kern="1200">
+                <a:solidFill>
+                  <a:schemeClr val="tx1"/>
+                </a:solidFill>
+                <a:latin typeface="+mn-lt"/>
+                <a:ea typeface="+mn-ea"/>
+                <a:cs typeface="+mn-cs"/>
+              </a:defRPr>
+            </a:lvl3pPr>
+            <a:lvl4pPr marL="1600200" indent="-228600" algn="l" defTabSz="914400" rtl="0" eaLnBrk="1" latinLnBrk="0" hangingPunct="1">
+              <a:lnSpc>
+                <a:spcPct val="90000"/>
+              </a:lnSpc>
+              <a:spcBef>
+                <a:spcPts val="500"/>
+              </a:spcBef>
+              <a:buFont typeface="Arial" panose="020B0604020202020204" pitchFamily="34" charset="0"/>
+              <a:buChar char="•"/>
+              <a:defRPr sz="1800" kern="1200">
+                <a:solidFill>
+                  <a:schemeClr val="tx1"/>
+                </a:solidFill>
+                <a:latin typeface="+mn-lt"/>
+                <a:ea typeface="+mn-ea"/>
+                <a:cs typeface="+mn-cs"/>
+              </a:defRPr>
+            </a:lvl4pPr>
+            <a:lvl5pPr marL="2057400" indent="-228600" algn="l" defTabSz="914400" rtl="0" eaLnBrk="1" latinLnBrk="0" hangingPunct="1">
+              <a:lnSpc>
+                <a:spcPct val="90000"/>
+              </a:lnSpc>
+              <a:spcBef>
+                <a:spcPts val="500"/>
+              </a:spcBef>
+              <a:buFont typeface="Arial" panose="020B0604020202020204" pitchFamily="34" charset="0"/>
+              <a:buChar char="•"/>
+              <a:defRPr sz="1800" kern="1200">
+                <a:solidFill>
+                  <a:schemeClr val="tx1"/>
+                </a:solidFill>
+                <a:latin typeface="+mn-lt"/>
+                <a:ea typeface="+mn-ea"/>
+                <a:cs typeface="+mn-cs"/>
+              </a:defRPr>
+            </a:lvl5pPr>
+            <a:lvl6pPr marL="2514600" indent="-228600" algn="l" defTabSz="914400" rtl="0" eaLnBrk="1" latinLnBrk="0" hangingPunct="1">
+              <a:lnSpc>
+                <a:spcPct val="90000"/>
+              </a:lnSpc>
+              <a:spcBef>
+                <a:spcPts val="500"/>
+              </a:spcBef>
+              <a:buFont typeface="Arial" panose="020B0604020202020204" pitchFamily="34" charset="0"/>
+              <a:buChar char="•"/>
+              <a:defRPr sz="1800" kern="1200">
+                <a:solidFill>
+                  <a:schemeClr val="tx1"/>
+                </a:solidFill>
+                <a:latin typeface="+mn-lt"/>
+                <a:ea typeface="+mn-ea"/>
+                <a:cs typeface="+mn-cs"/>
+              </a:defRPr>
+            </a:lvl6pPr>
+            <a:lvl7pPr marL="2971800" indent="-228600" algn="l" defTabSz="914400" rtl="0" eaLnBrk="1" latinLnBrk="0" hangingPunct="1">
+              <a:lnSpc>
+                <a:spcPct val="90000"/>
+              </a:lnSpc>
+              <a:spcBef>
+                <a:spcPts val="500"/>
+              </a:spcBef>
+              <a:buFont typeface="Arial" panose="020B0604020202020204" pitchFamily="34" charset="0"/>
+              <a:buChar char="•"/>
+              <a:defRPr sz="1800" kern="1200">
+                <a:solidFill>
+                  <a:schemeClr val="tx1"/>
+                </a:solidFill>
+                <a:latin typeface="+mn-lt"/>
+                <a:ea typeface="+mn-ea"/>
+                <a:cs typeface="+mn-cs"/>
+              </a:defRPr>
+            </a:lvl7pPr>
+            <a:lvl8pPr marL="3429000" indent="-228600" algn="l" defTabSz="914400" rtl="0" eaLnBrk="1" latinLnBrk="0" hangingPunct="1">
+              <a:lnSpc>
+                <a:spcPct val="90000"/>
+              </a:lnSpc>
+              <a:spcBef>
+                <a:spcPts val="500"/>
+              </a:spcBef>
+              <a:buFont typeface="Arial" panose="020B0604020202020204" pitchFamily="34" charset="0"/>
+              <a:buChar char="•"/>
+              <a:defRPr sz="1800" kern="1200">
+                <a:solidFill>
+                  <a:schemeClr val="tx1"/>
+                </a:solidFill>
+                <a:latin typeface="+mn-lt"/>
+                <a:ea typeface="+mn-ea"/>
+                <a:cs typeface="+mn-cs"/>
+              </a:defRPr>
+            </a:lvl8pPr>
+            <a:lvl9pPr marL="3886200" indent="-228600" algn="l" defTabSz="914400" rtl="0" eaLnBrk="1" latinLnBrk="0" hangingPunct="1">
+              <a:lnSpc>
+                <a:spcPct val="90000"/>
+              </a:lnSpc>
+              <a:spcBef>
+                <a:spcPts val="500"/>
+              </a:spcBef>
+              <a:buFont typeface="Arial" panose="020B0604020202020204" pitchFamily="34" charset="0"/>
+              <a:buChar char="•"/>
+              <a:defRPr sz="1800" kern="1200">
+                <a:solidFill>
+                  <a:schemeClr val="tx1"/>
+                </a:solidFill>
+                <a:latin typeface="+mn-lt"/>
+                <a:ea typeface="+mn-ea"/>
+                <a:cs typeface="+mn-cs"/>
+              </a:defRPr>
+            </a:lvl9pPr>
+          </a:lstStyle>
+          <a:p>
+            <a:pPr marL="0" indent="0" algn="ctr">
+              <a:buFont typeface="Arial" panose="020B0604020202020204" pitchFamily="34" charset="0"/>
+              <a:buNone/>
+            </a:pPr>
+            <a:r>
+              <a:rPr lang="es-ES" dirty="0"/>
+              <a:t>Ahora</a:t>
+            </a:r>
+          </a:p>
+        </p:txBody>
+      </p:sp>
     </p:spTree>
     <p:extLst>
       <p:ext uri="{BB962C8B-B14F-4D97-AF65-F5344CB8AC3E}">
@@ -4261,6 +4638,14 @@
 <file path=ppt/slides/slide8.xml><?xml version="1.0" encoding="utf-8"?>
 <p:sld xmlns:a="http://schemas.openxmlformats.org/drawingml/2006/main" xmlns:r="http://schemas.openxmlformats.org/officeDocument/2006/relationships" xmlns:p="http://schemas.openxmlformats.org/presentationml/2006/main">
   <p:cSld>
+    <p:bg>
+      <p:bgPr>
+        <a:solidFill>
+          <a:schemeClr val="bg1"/>
+        </a:solidFill>
+        <a:effectLst/>
+      </p:bgPr>
+    </p:bg>
     <p:spTree>
       <p:nvGrpSpPr>
         <p:cNvPr id="1" name=""/>
@@ -4277,10 +4662,10 @@
       </p:grpSpPr>
       <p:pic>
         <p:nvPicPr>
-          <p:cNvPr id="7" name="Picture 6">
-            <a:extLst>
-              <a:ext uri="{FF2B5EF4-FFF2-40B4-BE49-F238E27FC236}">
-                <a16:creationId xmlns:a16="http://schemas.microsoft.com/office/drawing/2014/main" id="{97CACC04-013F-0043-AFD5-43051AEF4F0F}"/>
+          <p:cNvPr id="11" name="Imagen 10" descr="Interfaz de usuario gráfica&#10;&#10;Descripción generada automáticamente">
+            <a:extLst>
+              <a:ext uri="{FF2B5EF4-FFF2-40B4-BE49-F238E27FC236}">
+                <a16:creationId xmlns:a16="http://schemas.microsoft.com/office/drawing/2014/main" id="{77BE1867-D6CE-A7B1-9BD7-F421270ECB31}"/>
               </a:ext>
             </a:extLst>
           </p:cNvPr>
@@ -4303,8 +4688,8 @@
         </p:blipFill>
         <p:spPr>
           <a:xfrm>
-            <a:off x="457905" y="1086143"/>
-            <a:ext cx="11276190" cy="4685714"/>
+            <a:off x="-2085260" y="914271"/>
+            <a:ext cx="13895051" cy="5766447"/>
           </a:xfrm>
           <a:prstGeom prst="rect">
             <a:avLst/>
@@ -4363,59 +4748,19 @@
               </a:ext>
             </a:extLst>
           </a:blip>
-          <a:stretch>
-            <a:fillRect/>
-          </a:stretch>
+          <a:srcRect/>
+          <a:stretch/>
         </p:blipFill>
         <p:spPr>
           <a:xfrm>
-            <a:off x="1302349" y="279794"/>
-            <a:ext cx="9587301" cy="6298412"/>
+            <a:off x="343973" y="-405685"/>
+            <a:ext cx="11504054" cy="7669370"/>
           </a:xfrm>
           <a:prstGeom prst="rect">
             <a:avLst/>
           </a:prstGeom>
         </p:spPr>
       </p:pic>
-      <p:sp>
-        <p:nvSpPr>
-          <p:cNvPr id="6" name="CuadroTexto 5">
-            <a:extLst>
-              <a:ext uri="{FF2B5EF4-FFF2-40B4-BE49-F238E27FC236}">
-                <a16:creationId xmlns:a16="http://schemas.microsoft.com/office/drawing/2014/main" id="{66F72812-1A56-CCC2-BD06-78998B9A01C9}"/>
-              </a:ext>
-            </a:extLst>
-          </p:cNvPr>
-          <p:cNvSpPr txBox="1"/>
-          <p:nvPr/>
-        </p:nvSpPr>
-        <p:spPr>
-          <a:xfrm>
-            <a:off x="0" y="6419461"/>
-            <a:ext cx="1004121" cy="369332"/>
-          </a:xfrm>
-          <a:prstGeom prst="rect">
-            <a:avLst/>
-          </a:prstGeom>
-          <a:noFill/>
-        </p:spPr>
-        <p:txBody>
-          <a:bodyPr wrap="none" rtlCol="0">
-            <a:spAutoFit/>
-          </a:bodyPr>
-          <a:lstStyle/>
-          <a:p>
-            <a:r>
-              <a:rPr lang="es-ES" dirty="0" err="1"/>
-              <a:t>BoxPlot</a:t>
-            </a:r>
-            <a:r>
-              <a:rPr lang="es-ES" dirty="0"/>
-              <a:t>?</a:t>
-            </a:r>
-          </a:p>
-        </p:txBody>
-      </p:sp>
     </p:spTree>
     <p:extLst>
       <p:ext uri="{BB962C8B-B14F-4D97-AF65-F5344CB8AC3E}">
